--- a/Presentation.pptx
+++ b/Presentation.pptx
@@ -7,13 +7,14 @@
   <p:sldIdLst>
     <p:sldId id="256" r:id="rId2"/>
     <p:sldId id="257" r:id="rId3"/>
-    <p:sldId id="259" r:id="rId4"/>
-    <p:sldId id="258" r:id="rId5"/>
-    <p:sldId id="260" r:id="rId6"/>
-    <p:sldId id="261" r:id="rId7"/>
-    <p:sldId id="262" r:id="rId8"/>
-    <p:sldId id="263" r:id="rId9"/>
-    <p:sldId id="264" r:id="rId10"/>
+    <p:sldId id="265" r:id="rId4"/>
+    <p:sldId id="259" r:id="rId5"/>
+    <p:sldId id="258" r:id="rId6"/>
+    <p:sldId id="260" r:id="rId7"/>
+    <p:sldId id="261" r:id="rId8"/>
+    <p:sldId id="262" r:id="rId9"/>
+    <p:sldId id="263" r:id="rId10"/>
+    <p:sldId id="264" r:id="rId11"/>
   </p:sldIdLst>
   <p:sldSz cx="12192000" cy="6858000"/>
   <p:notesSz cx="6858000" cy="9144000"/>
@@ -112,6 +113,11 @@
       </a:defRPr>
     </a:lvl9pPr>
   </p:defaultTextStyle>
+  <p:extLst>
+    <p:ext uri="{EFAFB233-063F-42B5-8137-9DF3F51BA10A}">
+      <p15:sldGuideLst xmlns:p15="http://schemas.microsoft.com/office/powerpoint/2012/main"/>
+    </p:ext>
+  </p:extLst>
 </p:presentation>
 </file>
 
@@ -262,7 +268,7 @@
           <a:p>
             <a:fld id="{07D1D951-F1F4-4015-A8F9-A98F52E88370}" type="datetimeFigureOut">
               <a:rPr lang="da-DK" smtClean="0"/>
-              <a:t>19-06-2019</a:t>
+              <a:t>20-06-2019</a:t>
             </a:fld>
             <a:endParaRPr lang="da-DK"/>
           </a:p>
@@ -460,7 +466,7 @@
           <a:p>
             <a:fld id="{07D1D951-F1F4-4015-A8F9-A98F52E88370}" type="datetimeFigureOut">
               <a:rPr lang="da-DK" smtClean="0"/>
-              <a:t>19-06-2019</a:t>
+              <a:t>20-06-2019</a:t>
             </a:fld>
             <a:endParaRPr lang="da-DK"/>
           </a:p>
@@ -668,7 +674,7 @@
           <a:p>
             <a:fld id="{07D1D951-F1F4-4015-A8F9-A98F52E88370}" type="datetimeFigureOut">
               <a:rPr lang="da-DK" smtClean="0"/>
-              <a:t>19-06-2019</a:t>
+              <a:t>20-06-2019</a:t>
             </a:fld>
             <a:endParaRPr lang="da-DK"/>
           </a:p>
@@ -866,7 +872,7 @@
           <a:p>
             <a:fld id="{07D1D951-F1F4-4015-A8F9-A98F52E88370}" type="datetimeFigureOut">
               <a:rPr lang="da-DK" smtClean="0"/>
-              <a:t>19-06-2019</a:t>
+              <a:t>20-06-2019</a:t>
             </a:fld>
             <a:endParaRPr lang="da-DK"/>
           </a:p>
@@ -1141,7 +1147,7 @@
           <a:p>
             <a:fld id="{07D1D951-F1F4-4015-A8F9-A98F52E88370}" type="datetimeFigureOut">
               <a:rPr lang="da-DK" smtClean="0"/>
-              <a:t>19-06-2019</a:t>
+              <a:t>20-06-2019</a:t>
             </a:fld>
             <a:endParaRPr lang="da-DK"/>
           </a:p>
@@ -1406,7 +1412,7 @@
           <a:p>
             <a:fld id="{07D1D951-F1F4-4015-A8F9-A98F52E88370}" type="datetimeFigureOut">
               <a:rPr lang="da-DK" smtClean="0"/>
-              <a:t>19-06-2019</a:t>
+              <a:t>20-06-2019</a:t>
             </a:fld>
             <a:endParaRPr lang="da-DK"/>
           </a:p>
@@ -1818,7 +1824,7 @@
           <a:p>
             <a:fld id="{07D1D951-F1F4-4015-A8F9-A98F52E88370}" type="datetimeFigureOut">
               <a:rPr lang="da-DK" smtClean="0"/>
-              <a:t>19-06-2019</a:t>
+              <a:t>20-06-2019</a:t>
             </a:fld>
             <a:endParaRPr lang="da-DK"/>
           </a:p>
@@ -1959,7 +1965,7 @@
           <a:p>
             <a:fld id="{07D1D951-F1F4-4015-A8F9-A98F52E88370}" type="datetimeFigureOut">
               <a:rPr lang="da-DK" smtClean="0"/>
-              <a:t>19-06-2019</a:t>
+              <a:t>20-06-2019</a:t>
             </a:fld>
             <a:endParaRPr lang="da-DK"/>
           </a:p>
@@ -2072,7 +2078,7 @@
           <a:p>
             <a:fld id="{07D1D951-F1F4-4015-A8F9-A98F52E88370}" type="datetimeFigureOut">
               <a:rPr lang="da-DK" smtClean="0"/>
-              <a:t>19-06-2019</a:t>
+              <a:t>20-06-2019</a:t>
             </a:fld>
             <a:endParaRPr lang="da-DK"/>
           </a:p>
@@ -2383,7 +2389,7 @@
           <a:p>
             <a:fld id="{07D1D951-F1F4-4015-A8F9-A98F52E88370}" type="datetimeFigureOut">
               <a:rPr lang="da-DK" smtClean="0"/>
-              <a:t>19-06-2019</a:t>
+              <a:t>20-06-2019</a:t>
             </a:fld>
             <a:endParaRPr lang="da-DK"/>
           </a:p>
@@ -2671,7 +2677,7 @@
           <a:p>
             <a:fld id="{07D1D951-F1F4-4015-A8F9-A98F52E88370}" type="datetimeFigureOut">
               <a:rPr lang="da-DK" smtClean="0"/>
-              <a:t>19-06-2019</a:t>
+              <a:t>20-06-2019</a:t>
             </a:fld>
             <a:endParaRPr lang="da-DK"/>
           </a:p>
@@ -2912,7 +2918,7 @@
           <a:p>
             <a:fld id="{07D1D951-F1F4-4015-A8F9-A98F52E88370}" type="datetimeFigureOut">
               <a:rPr lang="da-DK" smtClean="0"/>
-              <a:t>19-06-2019</a:t>
+              <a:t>20-06-2019</a:t>
             </a:fld>
             <a:endParaRPr lang="da-DK"/>
           </a:p>
@@ -3411,6 +3417,121 @@
 </p:sld>
 </file>
 
+<file path=ppt/slides/slide10.xml><?xml version="1.0" encoding="utf-8"?>
+<p:sld xmlns:a="http://schemas.openxmlformats.org/drawingml/2006/main" xmlns:r="http://schemas.openxmlformats.org/officeDocument/2006/relationships" xmlns:p="http://schemas.openxmlformats.org/presentationml/2006/main">
+  <p:cSld>
+    <p:spTree>
+      <p:nvGrpSpPr>
+        <p:cNvPr id="1" name=""/>
+        <p:cNvGrpSpPr/>
+        <p:nvPr/>
+      </p:nvGrpSpPr>
+      <p:grpSpPr>
+        <a:xfrm>
+          <a:off x="0" y="0"/>
+          <a:ext cx="0" cy="0"/>
+          <a:chOff x="0" y="0"/>
+          <a:chExt cx="0" cy="0"/>
+        </a:xfrm>
+      </p:grpSpPr>
+      <p:sp>
+        <p:nvSpPr>
+          <p:cNvPr id="2" name="Titel 1">
+            <a:extLst>
+              <a:ext uri="{FF2B5EF4-FFF2-40B4-BE49-F238E27FC236}">
+                <a16:creationId xmlns:a16="http://schemas.microsoft.com/office/drawing/2014/main" id="{DE526BEA-8685-4B4B-8B04-8B76AE69B891}"/>
+              </a:ext>
+            </a:extLst>
+          </p:cNvPr>
+          <p:cNvSpPr>
+            <a:spLocks noGrp="1"/>
+          </p:cNvSpPr>
+          <p:nvPr>
+            <p:ph type="title"/>
+          </p:nvPr>
+        </p:nvSpPr>
+        <p:spPr/>
+        <p:txBody>
+          <a:bodyPr/>
+          <a:lstStyle/>
+          <a:p>
+            <a:r>
+              <a:rPr lang="da-DK" dirty="0"/>
+              <a:t>Teknologier – </a:t>
+            </a:r>
+            <a:r>
+              <a:rPr lang="da-DK" dirty="0" err="1"/>
+              <a:t>OpenCV</a:t>
+            </a:r>
+            <a:r>
+              <a:rPr lang="da-DK" dirty="0"/>
+              <a:t> fortsat</a:t>
+            </a:r>
+          </a:p>
+        </p:txBody>
+      </p:sp>
+      <p:pic>
+        <p:nvPicPr>
+          <p:cNvPr id="5122" name="Picture 2" descr="https://i.imgur.com/DZ5xGrX.png">
+            <a:extLst>
+              <a:ext uri="{FF2B5EF4-FFF2-40B4-BE49-F238E27FC236}">
+                <a16:creationId xmlns:a16="http://schemas.microsoft.com/office/drawing/2014/main" id="{65F66BA2-AC69-4561-9AF7-2D33CD15A7BB}"/>
+              </a:ext>
+            </a:extLst>
+          </p:cNvPr>
+          <p:cNvPicPr>
+            <a:picLocks noGrp="1" noChangeAspect="1" noChangeArrowheads="1"/>
+          </p:cNvPicPr>
+          <p:nvPr>
+            <p:ph idx="1"/>
+          </p:nvPr>
+        </p:nvPicPr>
+        <p:blipFill>
+          <a:blip r:embed="rId2">
+            <a:extLst>
+              <a:ext uri="{28A0092B-C50C-407E-A947-70E740481C1C}">
+                <a14:useLocalDpi xmlns:a14="http://schemas.microsoft.com/office/drawing/2010/main" val="0"/>
+              </a:ext>
+            </a:extLst>
+          </a:blip>
+          <a:srcRect/>
+          <a:stretch>
+            <a:fillRect/>
+          </a:stretch>
+        </p:blipFill>
+        <p:spPr bwMode="auto">
+          <a:xfrm>
+            <a:off x="2224375" y="1825625"/>
+            <a:ext cx="7743249" cy="4351338"/>
+          </a:xfrm>
+          <a:prstGeom prst="rect">
+            <a:avLst/>
+          </a:prstGeom>
+          <a:noFill/>
+          <a:extLst>
+            <a:ext uri="{909E8E84-426E-40DD-AFC4-6F175D3DCCD1}">
+              <a14:hiddenFill xmlns:a14="http://schemas.microsoft.com/office/drawing/2010/main">
+                <a:solidFill>
+                  <a:srgbClr val="FFFFFF"/>
+                </a:solidFill>
+              </a14:hiddenFill>
+            </a:ext>
+          </a:extLst>
+        </p:spPr>
+      </p:pic>
+    </p:spTree>
+    <p:extLst>
+      <p:ext uri="{BB962C8B-B14F-4D97-AF65-F5344CB8AC3E}">
+        <p14:creationId xmlns:p14="http://schemas.microsoft.com/office/powerpoint/2010/main" val="4014095747"/>
+      </p:ext>
+    </p:extLst>
+  </p:cSld>
+  <p:clrMapOvr>
+    <a:masterClrMapping/>
+  </p:clrMapOvr>
+</p:sld>
+</file>
+
 <file path=ppt/slides/slide2.xml><?xml version="1.0" encoding="utf-8"?>
 <p:sld xmlns:a="http://schemas.openxmlformats.org/drawingml/2006/main" xmlns:r="http://schemas.openxmlformats.org/officeDocument/2006/relationships" xmlns:p="http://schemas.openxmlformats.org/presentationml/2006/main">
   <p:cSld>
@@ -3573,7 +3694,7 @@
           <p:cNvPr id="2" name="Titel 1">
             <a:extLst>
               <a:ext uri="{FF2B5EF4-FFF2-40B4-BE49-F238E27FC236}">
-                <a16:creationId xmlns:a16="http://schemas.microsoft.com/office/drawing/2014/main" id="{DE996B33-754F-465F-853D-1394C76D929D}"/>
+                <a16:creationId xmlns:a16="http://schemas.microsoft.com/office/drawing/2014/main" id="{AE50EB51-412F-413F-8869-83FB2D26841F}"/>
               </a:ext>
             </a:extLst>
           </p:cNvPr>
@@ -3591,7 +3712,7 @@
           <a:p>
             <a:r>
               <a:rPr lang="da-DK" dirty="0"/>
-              <a:t>Demo</a:t>
+              <a:t>Data</a:t>
             </a:r>
           </a:p>
         </p:txBody>
@@ -3601,7 +3722,7 @@
           <p:cNvPr id="3" name="Pladsholder til indhold 2">
             <a:extLst>
               <a:ext uri="{FF2B5EF4-FFF2-40B4-BE49-F238E27FC236}">
-                <a16:creationId xmlns:a16="http://schemas.microsoft.com/office/drawing/2014/main" id="{13996986-5916-4702-BC24-373AA1089E40}"/>
+                <a16:creationId xmlns:a16="http://schemas.microsoft.com/office/drawing/2014/main" id="{0FF619F4-4F7C-46DF-AD47-B489916DA684}"/>
               </a:ext>
             </a:extLst>
           </p:cNvPr>
@@ -3617,14 +3738,38 @@
           <a:bodyPr/>
           <a:lstStyle/>
           <a:p>
+            <a:pPr marL="0" indent="0">
+              <a:buNone/>
+            </a:pPr>
             <a:endParaRPr lang="da-DK" dirty="0"/>
+          </a:p>
+          <a:p>
+            <a:endParaRPr lang="da-DK" dirty="0"/>
+          </a:p>
+          <a:p>
+            <a:r>
+              <a:rPr lang="da-DK" dirty="0"/>
+              <a:t>Data fra Internettet</a:t>
+            </a:r>
+          </a:p>
+          <a:p>
+            <a:endParaRPr lang="da-DK" dirty="0"/>
+          </a:p>
+          <a:p>
+            <a:endParaRPr lang="da-DK" dirty="0"/>
+          </a:p>
+          <a:p>
+            <a:r>
+              <a:rPr lang="da-DK" dirty="0"/>
+              <a:t>Eget genereret data</a:t>
+            </a:r>
           </a:p>
         </p:txBody>
       </p:sp>
     </p:spTree>
     <p:extLst>
       <p:ext uri="{BB962C8B-B14F-4D97-AF65-F5344CB8AC3E}">
-        <p14:creationId xmlns:p14="http://schemas.microsoft.com/office/powerpoint/2010/main" val="3043260415"/>
+        <p14:creationId xmlns:p14="http://schemas.microsoft.com/office/powerpoint/2010/main" val="2364906390"/>
       </p:ext>
     </p:extLst>
   </p:cSld>
@@ -3656,6 +3801,73 @@
           <p:cNvPr id="2" name="Titel 1">
             <a:extLst>
               <a:ext uri="{FF2B5EF4-FFF2-40B4-BE49-F238E27FC236}">
+                <a16:creationId xmlns:a16="http://schemas.microsoft.com/office/drawing/2014/main" id="{DE996B33-754F-465F-853D-1394C76D929D}"/>
+              </a:ext>
+            </a:extLst>
+          </p:cNvPr>
+          <p:cNvSpPr>
+            <a:spLocks noGrp="1"/>
+          </p:cNvSpPr>
+          <p:nvPr>
+            <p:ph type="title"/>
+          </p:nvPr>
+        </p:nvSpPr>
+        <p:spPr>
+          <a:xfrm>
+            <a:off x="838200" y="2766218"/>
+            <a:ext cx="10515600" cy="1325563"/>
+          </a:xfrm>
+        </p:spPr>
+        <p:txBody>
+          <a:bodyPr>
+            <a:noAutofit/>
+          </a:bodyPr>
+          <a:lstStyle/>
+          <a:p>
+            <a:pPr algn="ctr"/>
+            <a:r>
+              <a:rPr lang="da-DK" sz="16600" dirty="0"/>
+              <a:t>Demo</a:t>
+            </a:r>
+            <a:endParaRPr lang="da-DK" sz="4800" dirty="0"/>
+          </a:p>
+        </p:txBody>
+      </p:sp>
+    </p:spTree>
+    <p:extLst>
+      <p:ext uri="{BB962C8B-B14F-4D97-AF65-F5344CB8AC3E}">
+        <p14:creationId xmlns:p14="http://schemas.microsoft.com/office/powerpoint/2010/main" val="3043260415"/>
+      </p:ext>
+    </p:extLst>
+  </p:cSld>
+  <p:clrMapOvr>
+    <a:masterClrMapping/>
+  </p:clrMapOvr>
+</p:sld>
+</file>
+
+<file path=ppt/slides/slide5.xml><?xml version="1.0" encoding="utf-8"?>
+<p:sld xmlns:a="http://schemas.openxmlformats.org/drawingml/2006/main" xmlns:r="http://schemas.openxmlformats.org/officeDocument/2006/relationships" xmlns:p="http://schemas.openxmlformats.org/presentationml/2006/main">
+  <p:cSld>
+    <p:spTree>
+      <p:nvGrpSpPr>
+        <p:cNvPr id="1" name=""/>
+        <p:cNvGrpSpPr/>
+        <p:nvPr/>
+      </p:nvGrpSpPr>
+      <p:grpSpPr>
+        <a:xfrm>
+          <a:off x="0" y="0"/>
+          <a:ext cx="0" cy="0"/>
+          <a:chOff x="0" y="0"/>
+          <a:chExt cx="0" cy="0"/>
+        </a:xfrm>
+      </p:grpSpPr>
+      <p:sp>
+        <p:nvSpPr>
+          <p:cNvPr id="2" name="Titel 1">
+            <a:extLst>
+              <a:ext uri="{FF2B5EF4-FFF2-40B4-BE49-F238E27FC236}">
                 <a16:creationId xmlns:a16="http://schemas.microsoft.com/office/drawing/2014/main" id="{B93867A5-713C-4C9E-8221-4136EC4BA881}"/>
               </a:ext>
             </a:extLst>
@@ -3713,7 +3925,7 @@
           <a:p>
             <a:r>
               <a:rPr lang="da-DK" dirty="0"/>
-              <a:t>Neutroner</a:t>
+              <a:t>Neuroner</a:t>
             </a:r>
           </a:p>
           <a:p>
@@ -3767,7 +3979,7 @@
 </p:sld>
 </file>
 
-<file path=ppt/slides/slide5.xml><?xml version="1.0" encoding="utf-8"?>
+<file path=ppt/slides/slide6.xml><?xml version="1.0" encoding="utf-8"?>
 <p:sld xmlns:a="http://schemas.openxmlformats.org/drawingml/2006/main" xmlns:r="http://schemas.openxmlformats.org/officeDocument/2006/relationships" xmlns:p="http://schemas.openxmlformats.org/presentationml/2006/main">
   <p:cSld>
     <p:spTree>
@@ -3879,7 +4091,7 @@
 </p:sld>
 </file>
 
-<file path=ppt/slides/slide6.xml><?xml version="1.0" encoding="utf-8"?>
+<file path=ppt/slides/slide7.xml><?xml version="1.0" encoding="utf-8"?>
 <p:sld xmlns:a="http://schemas.openxmlformats.org/drawingml/2006/main" xmlns:r="http://schemas.openxmlformats.org/officeDocument/2006/relationships" xmlns:p="http://schemas.openxmlformats.org/presentationml/2006/main">
   <p:cSld>
     <p:spTree>
@@ -3994,7 +4206,7 @@
 </p:sld>
 </file>
 
-<file path=ppt/slides/slide7.xml><?xml version="1.0" encoding="utf-8"?>
+<file path=ppt/slides/slide8.xml><?xml version="1.0" encoding="utf-8"?>
 <p:sld xmlns:a="http://schemas.openxmlformats.org/drawingml/2006/main" xmlns:r="http://schemas.openxmlformats.org/officeDocument/2006/relationships" xmlns:p="http://schemas.openxmlformats.org/presentationml/2006/main">
   <p:cSld>
     <p:spTree>
@@ -4109,7 +4321,7 @@
 </p:sld>
 </file>
 
-<file path=ppt/slides/slide8.xml><?xml version="1.0" encoding="utf-8"?>
+<file path=ppt/slides/slide9.xml><?xml version="1.0" encoding="utf-8"?>
 <p:sld xmlns:a="http://schemas.openxmlformats.org/drawingml/2006/main" xmlns:r="http://schemas.openxmlformats.org/officeDocument/2006/relationships" xmlns:p="http://schemas.openxmlformats.org/presentationml/2006/main">
   <p:cSld>
     <p:spTree>
@@ -4527,121 +4739,6 @@
     <p:extLst>
       <p:ext uri="{BB962C8B-B14F-4D97-AF65-F5344CB8AC3E}">
         <p14:creationId xmlns:p14="http://schemas.microsoft.com/office/powerpoint/2010/main" val="1959157241"/>
-      </p:ext>
-    </p:extLst>
-  </p:cSld>
-  <p:clrMapOvr>
-    <a:masterClrMapping/>
-  </p:clrMapOvr>
-</p:sld>
-</file>
-
-<file path=ppt/slides/slide9.xml><?xml version="1.0" encoding="utf-8"?>
-<p:sld xmlns:a="http://schemas.openxmlformats.org/drawingml/2006/main" xmlns:r="http://schemas.openxmlformats.org/officeDocument/2006/relationships" xmlns:p="http://schemas.openxmlformats.org/presentationml/2006/main">
-  <p:cSld>
-    <p:spTree>
-      <p:nvGrpSpPr>
-        <p:cNvPr id="1" name=""/>
-        <p:cNvGrpSpPr/>
-        <p:nvPr/>
-      </p:nvGrpSpPr>
-      <p:grpSpPr>
-        <a:xfrm>
-          <a:off x="0" y="0"/>
-          <a:ext cx="0" cy="0"/>
-          <a:chOff x="0" y="0"/>
-          <a:chExt cx="0" cy="0"/>
-        </a:xfrm>
-      </p:grpSpPr>
-      <p:sp>
-        <p:nvSpPr>
-          <p:cNvPr id="2" name="Titel 1">
-            <a:extLst>
-              <a:ext uri="{FF2B5EF4-FFF2-40B4-BE49-F238E27FC236}">
-                <a16:creationId xmlns:a16="http://schemas.microsoft.com/office/drawing/2014/main" id="{DE526BEA-8685-4B4B-8B04-8B76AE69B891}"/>
-              </a:ext>
-            </a:extLst>
-          </p:cNvPr>
-          <p:cNvSpPr>
-            <a:spLocks noGrp="1"/>
-          </p:cNvSpPr>
-          <p:nvPr>
-            <p:ph type="title"/>
-          </p:nvPr>
-        </p:nvSpPr>
-        <p:spPr/>
-        <p:txBody>
-          <a:bodyPr/>
-          <a:lstStyle/>
-          <a:p>
-            <a:r>
-              <a:rPr lang="da-DK" dirty="0"/>
-              <a:t>Teknologier – </a:t>
-            </a:r>
-            <a:r>
-              <a:rPr lang="da-DK" dirty="0" err="1"/>
-              <a:t>OpenCV</a:t>
-            </a:r>
-            <a:r>
-              <a:rPr lang="da-DK" dirty="0"/>
-              <a:t> fortsat</a:t>
-            </a:r>
-          </a:p>
-        </p:txBody>
-      </p:sp>
-      <p:pic>
-        <p:nvPicPr>
-          <p:cNvPr id="5122" name="Picture 2" descr="https://i.imgur.com/DZ5xGrX.png">
-            <a:extLst>
-              <a:ext uri="{FF2B5EF4-FFF2-40B4-BE49-F238E27FC236}">
-                <a16:creationId xmlns:a16="http://schemas.microsoft.com/office/drawing/2014/main" id="{65F66BA2-AC69-4561-9AF7-2D33CD15A7BB}"/>
-              </a:ext>
-            </a:extLst>
-          </p:cNvPr>
-          <p:cNvPicPr>
-            <a:picLocks noGrp="1" noChangeAspect="1" noChangeArrowheads="1"/>
-          </p:cNvPicPr>
-          <p:nvPr>
-            <p:ph idx="1"/>
-          </p:nvPr>
-        </p:nvPicPr>
-        <p:blipFill>
-          <a:blip r:embed="rId2">
-            <a:extLst>
-              <a:ext uri="{28A0092B-C50C-407E-A947-70E740481C1C}">
-                <a14:useLocalDpi xmlns:a14="http://schemas.microsoft.com/office/drawing/2010/main" val="0"/>
-              </a:ext>
-            </a:extLst>
-          </a:blip>
-          <a:srcRect/>
-          <a:stretch>
-            <a:fillRect/>
-          </a:stretch>
-        </p:blipFill>
-        <p:spPr bwMode="auto">
-          <a:xfrm>
-            <a:off x="2224375" y="1825625"/>
-            <a:ext cx="7743249" cy="4351338"/>
-          </a:xfrm>
-          <a:prstGeom prst="rect">
-            <a:avLst/>
-          </a:prstGeom>
-          <a:noFill/>
-          <a:extLst>
-            <a:ext uri="{909E8E84-426E-40DD-AFC4-6F175D3DCCD1}">
-              <a14:hiddenFill xmlns:a14="http://schemas.microsoft.com/office/drawing/2010/main">
-                <a:solidFill>
-                  <a:srgbClr val="FFFFFF"/>
-                </a:solidFill>
-              </a14:hiddenFill>
-            </a:ext>
-          </a:extLst>
-        </p:spPr>
-      </p:pic>
-    </p:spTree>
-    <p:extLst>
-      <p:ext uri="{BB962C8B-B14F-4D97-AF65-F5344CB8AC3E}">
-        <p14:creationId xmlns:p14="http://schemas.microsoft.com/office/powerpoint/2010/main" val="4014095747"/>
       </p:ext>
     </p:extLst>
   </p:cSld>
